--- a/01 Planning/Master Plan.pptx
+++ b/01 Planning/Master Plan.pptx
@@ -4012,14 +4012,65 @@
             <a:pPr lvl="1"/>
             <a:r>
               <a:rPr lang="en-US" dirty="0"/>
-              <a:t>Most will codes based. </a:t>
-            </a:r>
+              <a:t>Most will codes based. So, code management is important. </a:t>
+            </a:r>
+          </a:p>
+          <a:p>
+            <a:pPr lvl="1"/>
+            <a:r>
+              <a:rPr lang="en-US" dirty="0"/>
+              <a:t>Both Yao and I can access the documents everywhere</a:t>
+            </a:r>
+          </a:p>
+          <a:p>
+            <a:pPr lvl="1"/>
+            <a:endParaRPr lang="en-US" dirty="0"/>
+          </a:p>
+          <a:p>
+            <a:r>
+              <a:rPr lang="en-US" dirty="0"/>
+              <a:t>Literature management</a:t>
+            </a:r>
+          </a:p>
+          <a:p>
+            <a:pPr lvl="1"/>
+            <a:r>
+              <a:rPr lang="en-US" dirty="0"/>
+              <a:t>Zotero</a:t>
+            </a:r>
+          </a:p>
+          <a:p>
+            <a:pPr lvl="1"/>
+            <a:endParaRPr lang="en-US" dirty="0"/>
+          </a:p>
+          <a:p>
+            <a:r>
+              <a:rPr lang="en-US" dirty="0"/>
+              <a:t>Paper writing tools</a:t>
+            </a:r>
+          </a:p>
+          <a:p>
+            <a:pPr lvl="1"/>
+            <a:r>
+              <a:rPr lang="en-US" dirty="0"/>
+              <a:t>TBD.  Microsoft words preferred. </a:t>
+            </a:r>
+          </a:p>
+          <a:p>
+            <a:endParaRPr lang="en-US" dirty="0"/>
+          </a:p>
+          <a:p>
+            <a:pPr lvl="1"/>
+            <a:endParaRPr lang="en-US" dirty="0"/>
+          </a:p>
+          <a:p>
+            <a:endParaRPr lang="en-US" dirty="0"/>
           </a:p>
           <a:p>
             <a:pPr marL="457200" lvl="1" indent="0">
               <a:buNone/>
             </a:pPr>
-            <a:endParaRPr lang="en-US"/>
+            <a:endParaRPr lang="en-US" dirty="0"/>
           </a:p>
         </p:txBody>
       </p:sp>
@@ -4332,20 +4383,20 @@
 </file>
 
 <file path=customXml/item1.xml><?xml version="1.0" encoding="utf-8"?>
-<p:properties xmlns:p="http://schemas.microsoft.com/office/2006/metadata/properties" xmlns:xsi="http://www.w3.org/2001/XMLSchema-instance" xmlns:pc="http://schemas.microsoft.com/office/infopath/2007/PartnerControls">
-  <documentManagement>
-    <_activity xmlns="8cb20de8-a807-4686-a312-8bbdce0412dc" xsi:nil="true"/>
-  </documentManagement>
-</p:properties>
-</file>
-
-<file path=customXml/item2.xml><?xml version="1.0" encoding="utf-8"?>
 <?mso-contentType ?>
 <FormTemplates xmlns="http://schemas.microsoft.com/sharepoint/v3/contenttype/forms">
   <Display>DocumentLibraryForm</Display>
   <Edit>DocumentLibraryForm</Edit>
   <New>DocumentLibraryForm</New>
 </FormTemplates>
+</file>
+
+<file path=customXml/item2.xml><?xml version="1.0" encoding="utf-8"?>
+<p:properties xmlns:p="http://schemas.microsoft.com/office/2006/metadata/properties" xmlns:xsi="http://www.w3.org/2001/XMLSchema-instance" xmlns:pc="http://schemas.microsoft.com/office/infopath/2007/PartnerControls">
+  <documentManagement>
+    <_activity xmlns="8cb20de8-a807-4686-a312-8bbdce0412dc" xsi:nil="true"/>
+  </documentManagement>
+</p:properties>
 </file>
 
 <file path=customXml/item3.xml><?xml version="1.0" encoding="utf-8"?>
@@ -4584,6 +4635,14 @@
 </file>
 
 <file path=customXml/itemProps1.xml><?xml version="1.0" encoding="utf-8"?>
+<ds:datastoreItem xmlns:ds="http://schemas.openxmlformats.org/officeDocument/2006/customXml" ds:itemID="{41278C54-0D12-421B-A490-3611E1C9EF4C}">
+  <ds:schemaRefs>
+    <ds:schemaRef ds:uri="http://schemas.microsoft.com/sharepoint/v3/contenttype/forms"/>
+  </ds:schemaRefs>
+</ds:datastoreItem>
+</file>
+
+<file path=customXml/itemProps2.xml><?xml version="1.0" encoding="utf-8"?>
 <ds:datastoreItem xmlns:ds="http://schemas.openxmlformats.org/officeDocument/2006/customXml" ds:itemID="{01F6C432-FAD0-4DD4-95B8-F1E175C1EDBE}">
   <ds:schemaRefs>
     <ds:schemaRef ds:uri="http://purl.org/dc/elements/1.1/"/>
@@ -4596,14 +4655,6 @@
     <ds:schemaRef ds:uri="http://purl.org/dc/terms/"/>
     <ds:schemaRef ds:uri="http://schemas.microsoft.com/office/infopath/2007/PartnerControls"/>
     <ds:schemaRef ds:uri="http://schemas.microsoft.com/office/2006/metadata/properties"/>
-  </ds:schemaRefs>
-</ds:datastoreItem>
-</file>
-
-<file path=customXml/itemProps2.xml><?xml version="1.0" encoding="utf-8"?>
-<ds:datastoreItem xmlns:ds="http://schemas.openxmlformats.org/officeDocument/2006/customXml" ds:itemID="{41278C54-0D12-421B-A490-3611E1C9EF4C}">
-  <ds:schemaRefs>
-    <ds:schemaRef ds:uri="http://schemas.microsoft.com/sharepoint/v3/contenttype/forms"/>
   </ds:schemaRefs>
 </ds:datastoreItem>
 </file>

--- a/01 Planning/Master Plan.pptx
+++ b/01 Planning/Master Plan.pptx
@@ -9,6 +9,7 @@
     <p:sldId id="257" r:id="rId6"/>
     <p:sldId id="258" r:id="rId7"/>
     <p:sldId id="259" r:id="rId8"/>
+    <p:sldId id="260" r:id="rId9"/>
   </p:sldIdLst>
   <p:sldSz cx="12192000" cy="6858000"/>
   <p:notesSz cx="6858000" cy="9144000"/>
@@ -3581,7 +3582,7 @@
                 <a:effectLst/>
                 <a:latin typeface="Arial" panose="020B0604020202020204" pitchFamily="34" charset="0"/>
               </a:rPr>
-              <a:t>Lead and organize one session in 2025 international conference</a:t>
+              <a:t>Lead and organize one session in 2025 international conference (International electrical machine and Drive conference, IEMDC), Half participants is from outside of US.</a:t>
             </a:r>
           </a:p>
           <a:p>
@@ -4078,6 +4079,118 @@
     <p:extLst>
       <p:ext uri="{BB962C8B-B14F-4D97-AF65-F5344CB8AC3E}">
         <p14:creationId xmlns:p14="http://schemas.microsoft.com/office/powerpoint/2010/main" val="487600688"/>
+      </p:ext>
+    </p:extLst>
+  </p:cSld>
+  <p:clrMapOvr>
+    <a:masterClrMapping/>
+  </p:clrMapOvr>
+</p:sld>
+</file>
+
+<file path=ppt/slides/slide5.xml><?xml version="1.0" encoding="utf-8"?>
+<p:sld xmlns:a="http://schemas.openxmlformats.org/drawingml/2006/main" xmlns:r="http://schemas.openxmlformats.org/officeDocument/2006/relationships" xmlns:p="http://schemas.openxmlformats.org/presentationml/2006/main">
+  <p:cSld>
+    <p:spTree>
+      <p:nvGrpSpPr>
+        <p:cNvPr id="1" name=""/>
+        <p:cNvGrpSpPr/>
+        <p:nvPr/>
+      </p:nvGrpSpPr>
+      <p:grpSpPr>
+        <a:xfrm>
+          <a:off x="0" y="0"/>
+          <a:ext cx="0" cy="0"/>
+          <a:chOff x="0" y="0"/>
+          <a:chExt cx="0" cy="0"/>
+        </a:xfrm>
+      </p:grpSpPr>
+      <p:sp>
+        <p:nvSpPr>
+          <p:cNvPr id="2" name="Title 1">
+            <a:extLst>
+              <a:ext uri="{FF2B5EF4-FFF2-40B4-BE49-F238E27FC236}">
+                <a16:creationId xmlns:a16="http://schemas.microsoft.com/office/drawing/2014/main" id="{B8836164-F58D-6687-7815-B39A27C4AB3F}"/>
+              </a:ext>
+            </a:extLst>
+          </p:cNvPr>
+          <p:cNvSpPr>
+            <a:spLocks noGrp="1"/>
+          </p:cNvSpPr>
+          <p:nvPr>
+            <p:ph type="title"/>
+          </p:nvPr>
+        </p:nvSpPr>
+        <p:spPr/>
+        <p:txBody>
+          <a:bodyPr/>
+          <a:lstStyle/>
+          <a:p>
+            <a:r>
+              <a:rPr lang="en-US" dirty="0"/>
+              <a:t>Plan for 6/18 – 6/25</a:t>
+            </a:r>
+          </a:p>
+        </p:txBody>
+      </p:sp>
+      <p:sp>
+        <p:nvSpPr>
+          <p:cNvPr id="3" name="Content Placeholder 2">
+            <a:extLst>
+              <a:ext uri="{FF2B5EF4-FFF2-40B4-BE49-F238E27FC236}">
+                <a16:creationId xmlns:a16="http://schemas.microsoft.com/office/drawing/2014/main" id="{60300BDB-C1FB-3720-DF34-1F0CC3215D39}"/>
+              </a:ext>
+            </a:extLst>
+          </p:cNvPr>
+          <p:cNvSpPr>
+            <a:spLocks noGrp="1"/>
+          </p:cNvSpPr>
+          <p:nvPr>
+            <p:ph idx="1"/>
+          </p:nvPr>
+        </p:nvSpPr>
+        <p:spPr/>
+        <p:txBody>
+          <a:bodyPr/>
+          <a:lstStyle/>
+          <a:p>
+            <a:r>
+              <a:rPr lang="en-US" dirty="0"/>
+              <a:t>Set up the </a:t>
+            </a:r>
+            <a:r>
+              <a:rPr lang="en-US" dirty="0" err="1"/>
+              <a:t>Github</a:t>
+            </a:r>
+            <a:r>
+              <a:rPr lang="en-US" dirty="0"/>
+              <a:t> for Wendy and Yao. – By David and Wendy. </a:t>
+            </a:r>
+          </a:p>
+          <a:p>
+            <a:endParaRPr lang="en-US" dirty="0"/>
+          </a:p>
+          <a:p>
+            <a:r>
+              <a:rPr lang="en-US" dirty="0"/>
+              <a:t>Introduction for motor. – By Yao</a:t>
+            </a:r>
+          </a:p>
+          <a:p>
+            <a:endParaRPr lang="en-US" dirty="0"/>
+          </a:p>
+          <a:p>
+            <a:r>
+              <a:rPr lang="en-US" dirty="0"/>
+              <a:t>Find 10 papers. – By Peter</a:t>
+            </a:r>
+          </a:p>
+        </p:txBody>
+      </p:sp>
+    </p:spTree>
+    <p:extLst>
+      <p:ext uri="{BB962C8B-B14F-4D97-AF65-F5344CB8AC3E}">
+        <p14:creationId xmlns:p14="http://schemas.microsoft.com/office/powerpoint/2010/main" val="1052063804"/>
       </p:ext>
     </p:extLst>
   </p:cSld>
@@ -4383,20 +4496,20 @@
 </file>
 
 <file path=customXml/item1.xml><?xml version="1.0" encoding="utf-8"?>
+<p:properties xmlns:p="http://schemas.microsoft.com/office/2006/metadata/properties" xmlns:xsi="http://www.w3.org/2001/XMLSchema-instance" xmlns:pc="http://schemas.microsoft.com/office/infopath/2007/PartnerControls">
+  <documentManagement>
+    <_activity xmlns="8cb20de8-a807-4686-a312-8bbdce0412dc" xsi:nil="true"/>
+  </documentManagement>
+</p:properties>
+</file>
+
+<file path=customXml/item2.xml><?xml version="1.0" encoding="utf-8"?>
 <?mso-contentType ?>
 <FormTemplates xmlns="http://schemas.microsoft.com/sharepoint/v3/contenttype/forms">
   <Display>DocumentLibraryForm</Display>
   <Edit>DocumentLibraryForm</Edit>
   <New>DocumentLibraryForm</New>
 </FormTemplates>
-</file>
-
-<file path=customXml/item2.xml><?xml version="1.0" encoding="utf-8"?>
-<p:properties xmlns:p="http://schemas.microsoft.com/office/2006/metadata/properties" xmlns:xsi="http://www.w3.org/2001/XMLSchema-instance" xmlns:pc="http://schemas.microsoft.com/office/infopath/2007/PartnerControls">
-  <documentManagement>
-    <_activity xmlns="8cb20de8-a807-4686-a312-8bbdce0412dc" xsi:nil="true"/>
-  </documentManagement>
-</p:properties>
 </file>
 
 <file path=customXml/item3.xml><?xml version="1.0" encoding="utf-8"?>
@@ -4635,14 +4748,6 @@
 </file>
 
 <file path=customXml/itemProps1.xml><?xml version="1.0" encoding="utf-8"?>
-<ds:datastoreItem xmlns:ds="http://schemas.openxmlformats.org/officeDocument/2006/customXml" ds:itemID="{41278C54-0D12-421B-A490-3611E1C9EF4C}">
-  <ds:schemaRefs>
-    <ds:schemaRef ds:uri="http://schemas.microsoft.com/sharepoint/v3/contenttype/forms"/>
-  </ds:schemaRefs>
-</ds:datastoreItem>
-</file>
-
-<file path=customXml/itemProps2.xml><?xml version="1.0" encoding="utf-8"?>
 <ds:datastoreItem xmlns:ds="http://schemas.openxmlformats.org/officeDocument/2006/customXml" ds:itemID="{01F6C432-FAD0-4DD4-95B8-F1E175C1EDBE}">
   <ds:schemaRefs>
     <ds:schemaRef ds:uri="http://purl.org/dc/elements/1.1/"/>
@@ -4655,6 +4760,14 @@
     <ds:schemaRef ds:uri="http://purl.org/dc/terms/"/>
     <ds:schemaRef ds:uri="http://schemas.microsoft.com/office/infopath/2007/PartnerControls"/>
     <ds:schemaRef ds:uri="http://schemas.microsoft.com/office/2006/metadata/properties"/>
+  </ds:schemaRefs>
+</ds:datastoreItem>
+</file>
+
+<file path=customXml/itemProps2.xml><?xml version="1.0" encoding="utf-8"?>
+<ds:datastoreItem xmlns:ds="http://schemas.openxmlformats.org/officeDocument/2006/customXml" ds:itemID="{41278C54-0D12-421B-A490-3611E1C9EF4C}">
+  <ds:schemaRefs>
+    <ds:schemaRef ds:uri="http://schemas.microsoft.com/sharepoint/v3/contenttype/forms"/>
   </ds:schemaRefs>
 </ds:datastoreItem>
 </file>
